--- a/2022년-1학기/2022년-1C(PBL)자료/프로젝트_숫자야구게임SW/숫자야구_상세개발사항.pptx
+++ b/2022년-1학기/2022년-1C(PBL)자료/프로젝트_숫자야구게임SW/숫자야구_상세개발사항.pptx
@@ -9,6 +9,9 @@
     <p:sldId id="257" r:id="rId3"/>
     <p:sldId id="259" r:id="rId4"/>
     <p:sldId id="260" r:id="rId5"/>
+    <p:sldId id="261" r:id="rId6"/>
+    <p:sldId id="262" r:id="rId7"/>
+    <p:sldId id="263" r:id="rId8"/>
   </p:sldIdLst>
   <p:sldSz cx="12192000" cy="6858000"/>
   <p:notesSz cx="6858000" cy="9144000"/>
@@ -107,6 +110,11 @@
       </a:defRPr>
     </a:lvl9pPr>
   </p:defaultTextStyle>
+  <p:extLst>
+    <p:ext uri="{EFAFB233-063F-42B5-8137-9DF3F51BA10A}">
+      <p15:sldGuideLst xmlns:p15="http://schemas.microsoft.com/office/powerpoint/2012/main"/>
+    </p:ext>
+  </p:extLst>
 </p:presentation>
 </file>
 
@@ -257,7 +265,7 @@
           <a:p>
             <a:fld id="{B11D50E4-86AD-48B2-AB0A-7085F6A7D411}" type="datetimeFigureOut">
               <a:rPr lang="ko-KR" altLang="en-US" smtClean="0"/>
-              <a:t>2022-04-26</a:t>
+              <a:t>2022-04-27</a:t>
             </a:fld>
             <a:endParaRPr lang="ko-KR" altLang="en-US"/>
           </a:p>
@@ -455,7 +463,7 @@
           <a:p>
             <a:fld id="{B11D50E4-86AD-48B2-AB0A-7085F6A7D411}" type="datetimeFigureOut">
               <a:rPr lang="ko-KR" altLang="en-US" smtClean="0"/>
-              <a:t>2022-04-26</a:t>
+              <a:t>2022-04-27</a:t>
             </a:fld>
             <a:endParaRPr lang="ko-KR" altLang="en-US"/>
           </a:p>
@@ -663,7 +671,7 @@
           <a:p>
             <a:fld id="{B11D50E4-86AD-48B2-AB0A-7085F6A7D411}" type="datetimeFigureOut">
               <a:rPr lang="ko-KR" altLang="en-US" smtClean="0"/>
-              <a:t>2022-04-26</a:t>
+              <a:t>2022-04-27</a:t>
             </a:fld>
             <a:endParaRPr lang="ko-KR" altLang="en-US"/>
           </a:p>
@@ -861,7 +869,7 @@
           <a:p>
             <a:fld id="{B11D50E4-86AD-48B2-AB0A-7085F6A7D411}" type="datetimeFigureOut">
               <a:rPr lang="ko-KR" altLang="en-US" smtClean="0"/>
-              <a:t>2022-04-26</a:t>
+              <a:t>2022-04-27</a:t>
             </a:fld>
             <a:endParaRPr lang="ko-KR" altLang="en-US"/>
           </a:p>
@@ -1136,7 +1144,7 @@
           <a:p>
             <a:fld id="{B11D50E4-86AD-48B2-AB0A-7085F6A7D411}" type="datetimeFigureOut">
               <a:rPr lang="ko-KR" altLang="en-US" smtClean="0"/>
-              <a:t>2022-04-26</a:t>
+              <a:t>2022-04-27</a:t>
             </a:fld>
             <a:endParaRPr lang="ko-KR" altLang="en-US"/>
           </a:p>
@@ -1401,7 +1409,7 @@
           <a:p>
             <a:fld id="{B11D50E4-86AD-48B2-AB0A-7085F6A7D411}" type="datetimeFigureOut">
               <a:rPr lang="ko-KR" altLang="en-US" smtClean="0"/>
-              <a:t>2022-04-26</a:t>
+              <a:t>2022-04-27</a:t>
             </a:fld>
             <a:endParaRPr lang="ko-KR" altLang="en-US"/>
           </a:p>
@@ -1813,7 +1821,7 @@
           <a:p>
             <a:fld id="{B11D50E4-86AD-48B2-AB0A-7085F6A7D411}" type="datetimeFigureOut">
               <a:rPr lang="ko-KR" altLang="en-US" smtClean="0"/>
-              <a:t>2022-04-26</a:t>
+              <a:t>2022-04-27</a:t>
             </a:fld>
             <a:endParaRPr lang="ko-KR" altLang="en-US"/>
           </a:p>
@@ -1954,7 +1962,7 @@
           <a:p>
             <a:fld id="{B11D50E4-86AD-48B2-AB0A-7085F6A7D411}" type="datetimeFigureOut">
               <a:rPr lang="ko-KR" altLang="en-US" smtClean="0"/>
-              <a:t>2022-04-26</a:t>
+              <a:t>2022-04-27</a:t>
             </a:fld>
             <a:endParaRPr lang="ko-KR" altLang="en-US"/>
           </a:p>
@@ -2067,7 +2075,7 @@
           <a:p>
             <a:fld id="{B11D50E4-86AD-48B2-AB0A-7085F6A7D411}" type="datetimeFigureOut">
               <a:rPr lang="ko-KR" altLang="en-US" smtClean="0"/>
-              <a:t>2022-04-26</a:t>
+              <a:t>2022-04-27</a:t>
             </a:fld>
             <a:endParaRPr lang="ko-KR" altLang="en-US"/>
           </a:p>
@@ -2378,7 +2386,7 @@
           <a:p>
             <a:fld id="{B11D50E4-86AD-48B2-AB0A-7085F6A7D411}" type="datetimeFigureOut">
               <a:rPr lang="ko-KR" altLang="en-US" smtClean="0"/>
-              <a:t>2022-04-26</a:t>
+              <a:t>2022-04-27</a:t>
             </a:fld>
             <a:endParaRPr lang="ko-KR" altLang="en-US"/>
           </a:p>
@@ -2666,7 +2674,7 @@
           <a:p>
             <a:fld id="{B11D50E4-86AD-48B2-AB0A-7085F6A7D411}" type="datetimeFigureOut">
               <a:rPr lang="ko-KR" altLang="en-US" smtClean="0"/>
-              <a:t>2022-04-26</a:t>
+              <a:t>2022-04-27</a:t>
             </a:fld>
             <a:endParaRPr lang="ko-KR" altLang="en-US"/>
           </a:p>
@@ -2907,7 +2915,7 @@
           <a:p>
             <a:fld id="{B11D50E4-86AD-48B2-AB0A-7085F6A7D411}" type="datetimeFigureOut">
               <a:rPr lang="ko-KR" altLang="en-US" smtClean="0"/>
-              <a:t>2022-04-26</a:t>
+              <a:t>2022-04-27</a:t>
             </a:fld>
             <a:endParaRPr lang="ko-KR" altLang="en-US"/>
           </a:p>
@@ -6378,6 +6386,2118 @@
 </p:sld>
 </file>
 
+<file path=ppt/slides/slide5.xml><?xml version="1.0" encoding="utf-8"?>
+<p:sld xmlns:a="http://schemas.openxmlformats.org/drawingml/2006/main" xmlns:r="http://schemas.openxmlformats.org/officeDocument/2006/relationships" xmlns:p="http://schemas.openxmlformats.org/presentationml/2006/main">
+  <p:cSld>
+    <p:spTree>
+      <p:nvGrpSpPr>
+        <p:cNvPr id="1" name=""/>
+        <p:cNvGrpSpPr/>
+        <p:nvPr/>
+      </p:nvGrpSpPr>
+      <p:grpSpPr>
+        <a:xfrm>
+          <a:off x="0" y="0"/>
+          <a:ext cx="0" cy="0"/>
+          <a:chOff x="0" y="0"/>
+          <a:chExt cx="0" cy="0"/>
+        </a:xfrm>
+      </p:grpSpPr>
+      <p:sp>
+        <p:nvSpPr>
+          <p:cNvPr id="33" name="직사각형 32">
+            <a:extLst>
+              <a:ext uri="{FF2B5EF4-FFF2-40B4-BE49-F238E27FC236}">
+                <a16:creationId xmlns:a16="http://schemas.microsoft.com/office/drawing/2014/main" id="{23B2228D-CCA2-4581-90DA-6055A39E4B43}"/>
+              </a:ext>
+            </a:extLst>
+          </p:cNvPr>
+          <p:cNvSpPr/>
+          <p:nvPr/>
+        </p:nvSpPr>
+        <p:spPr>
+          <a:xfrm>
+            <a:off x="2055303" y="922789"/>
+            <a:ext cx="6461873" cy="5855516"/>
+          </a:xfrm>
+          <a:prstGeom prst="rect">
+            <a:avLst/>
+          </a:prstGeom>
+          <a:noFill/>
+          <a:ln>
+            <a:solidFill>
+              <a:schemeClr val="tx1"/>
+            </a:solidFill>
+          </a:ln>
+        </p:spPr>
+        <p:style>
+          <a:lnRef idx="2">
+            <a:schemeClr val="accent1">
+              <a:shade val="50000"/>
+            </a:schemeClr>
+          </a:lnRef>
+          <a:fillRef idx="1">
+            <a:schemeClr val="accent1"/>
+          </a:fillRef>
+          <a:effectRef idx="0">
+            <a:schemeClr val="accent1"/>
+          </a:effectRef>
+          <a:fontRef idx="minor">
+            <a:schemeClr val="lt1"/>
+          </a:fontRef>
+        </p:style>
+        <p:txBody>
+          <a:bodyPr rtlCol="0" anchor="ctr"/>
+          <a:lstStyle/>
+          <a:p>
+            <a:pPr algn="ctr"/>
+            <a:endParaRPr lang="ko-KR" altLang="en-US"/>
+          </a:p>
+        </p:txBody>
+      </p:sp>
+      <p:sp>
+        <p:nvSpPr>
+          <p:cNvPr id="5" name="사각형: 둥근 모서리 4">
+            <a:extLst>
+              <a:ext uri="{FF2B5EF4-FFF2-40B4-BE49-F238E27FC236}">
+                <a16:creationId xmlns:a16="http://schemas.microsoft.com/office/drawing/2014/main" id="{1574ED17-BE6F-466E-AA0E-33B50F8A7E87}"/>
+              </a:ext>
+            </a:extLst>
+          </p:cNvPr>
+          <p:cNvSpPr/>
+          <p:nvPr/>
+        </p:nvSpPr>
+        <p:spPr>
+          <a:xfrm>
+            <a:off x="4106488" y="741109"/>
+            <a:ext cx="2541261" cy="307777"/>
+          </a:xfrm>
+          <a:prstGeom prst="roundRect">
+            <a:avLst/>
+          </a:prstGeom>
+          <a:solidFill>
+            <a:schemeClr val="accent1">
+              <a:lumMod val="40000"/>
+              <a:lumOff val="60000"/>
+            </a:schemeClr>
+          </a:solidFill>
+          <a:ln>
+            <a:noFill/>
+          </a:ln>
+        </p:spPr>
+        <p:style>
+          <a:lnRef idx="2">
+            <a:schemeClr val="accent1">
+              <a:shade val="50000"/>
+            </a:schemeClr>
+          </a:lnRef>
+          <a:fillRef idx="1">
+            <a:schemeClr val="accent1"/>
+          </a:fillRef>
+          <a:effectRef idx="0">
+            <a:schemeClr val="accent1"/>
+          </a:effectRef>
+          <a:fontRef idx="minor">
+            <a:schemeClr val="lt1"/>
+          </a:fontRef>
+        </p:style>
+        <p:txBody>
+          <a:bodyPr rtlCol="0" anchor="ctr"/>
+          <a:lstStyle/>
+          <a:p>
+            <a:pPr algn="ctr"/>
+            <a:r>
+              <a:rPr lang="ko-KR" altLang="en-US" sz="1400" dirty="0">
+                <a:solidFill>
+                  <a:schemeClr val="tx1"/>
+                </a:solidFill>
+              </a:rPr>
+              <a:t>랜덤 값 연결리스트 삽입</a:t>
+            </a:r>
+            <a:endParaRPr lang="en-US" altLang="ko-KR" sz="1400" dirty="0">
+              <a:solidFill>
+                <a:schemeClr val="tx1"/>
+              </a:solidFill>
+            </a:endParaRPr>
+          </a:p>
+        </p:txBody>
+      </p:sp>
+      <p:sp>
+        <p:nvSpPr>
+          <p:cNvPr id="14" name="순서도: 판단 13">
+            <a:extLst>
+              <a:ext uri="{FF2B5EF4-FFF2-40B4-BE49-F238E27FC236}">
+                <a16:creationId xmlns:a16="http://schemas.microsoft.com/office/drawing/2014/main" id="{4D0791FA-C7BA-45C2-8BC7-8F85FF8F7668}"/>
+              </a:ext>
+            </a:extLst>
+          </p:cNvPr>
+          <p:cNvSpPr/>
+          <p:nvPr/>
+        </p:nvSpPr>
+        <p:spPr>
+          <a:xfrm>
+            <a:off x="5021510" y="2518794"/>
+            <a:ext cx="713064" cy="654342"/>
+          </a:xfrm>
+          <a:prstGeom prst="flowChartDecision">
+            <a:avLst/>
+          </a:prstGeom>
+          <a:solidFill>
+            <a:schemeClr val="accent5">
+              <a:lumMod val="60000"/>
+              <a:lumOff val="40000"/>
+            </a:schemeClr>
+          </a:solidFill>
+        </p:spPr>
+        <p:style>
+          <a:lnRef idx="2">
+            <a:schemeClr val="accent1">
+              <a:shade val="50000"/>
+            </a:schemeClr>
+          </a:lnRef>
+          <a:fillRef idx="1">
+            <a:schemeClr val="accent1"/>
+          </a:fillRef>
+          <a:effectRef idx="0">
+            <a:schemeClr val="accent1"/>
+          </a:effectRef>
+          <a:fontRef idx="minor">
+            <a:schemeClr val="lt1"/>
+          </a:fontRef>
+        </p:style>
+        <p:txBody>
+          <a:bodyPr rtlCol="0" anchor="ctr"/>
+          <a:lstStyle/>
+          <a:p>
+            <a:pPr algn="ctr"/>
+            <a:r>
+              <a:rPr lang="en-US" altLang="ko-KR" dirty="0"/>
+              <a:t>if</a:t>
+            </a:r>
+            <a:endParaRPr lang="ko-KR" altLang="en-US" dirty="0"/>
+          </a:p>
+        </p:txBody>
+      </p:sp>
+      <p:cxnSp>
+        <p:nvCxnSpPr>
+          <p:cNvPr id="23" name="연결선: 꺾임 22">
+            <a:extLst>
+              <a:ext uri="{FF2B5EF4-FFF2-40B4-BE49-F238E27FC236}">
+                <a16:creationId xmlns:a16="http://schemas.microsoft.com/office/drawing/2014/main" id="{DF8115AF-3F89-4912-B3F0-DEA2493AF576}"/>
+              </a:ext>
+            </a:extLst>
+          </p:cNvPr>
+          <p:cNvCxnSpPr>
+            <a:cxnSpLocks/>
+            <a:stCxn id="14" idx="1"/>
+            <a:endCxn id="26" idx="0"/>
+          </p:cNvCxnSpPr>
+          <p:nvPr/>
+        </p:nvCxnSpPr>
+        <p:spPr>
+          <a:xfrm rot="10800000" flipV="1">
+            <a:off x="3107108" y="2845964"/>
+            <a:ext cx="1914402" cy="1044429"/>
+          </a:xfrm>
+          <a:prstGeom prst="bentConnector2">
+            <a:avLst/>
+          </a:prstGeom>
+          <a:ln>
+            <a:tailEnd type="triangle"/>
+          </a:ln>
+        </p:spPr>
+        <p:style>
+          <a:lnRef idx="1">
+            <a:schemeClr val="accent1"/>
+          </a:lnRef>
+          <a:fillRef idx="0">
+            <a:schemeClr val="accent1"/>
+          </a:fillRef>
+          <a:effectRef idx="0">
+            <a:schemeClr val="accent1"/>
+          </a:effectRef>
+          <a:fontRef idx="minor">
+            <a:schemeClr val="tx1"/>
+          </a:fontRef>
+        </p:style>
+      </p:cxnSp>
+      <p:sp>
+        <p:nvSpPr>
+          <p:cNvPr id="25" name="TextBox 24">
+            <a:extLst>
+              <a:ext uri="{FF2B5EF4-FFF2-40B4-BE49-F238E27FC236}">
+                <a16:creationId xmlns:a16="http://schemas.microsoft.com/office/drawing/2014/main" id="{D0C7D764-9848-4113-BE36-4DCEDE655438}"/>
+              </a:ext>
+            </a:extLst>
+          </p:cNvPr>
+          <p:cNvSpPr txBox="1"/>
+          <p:nvPr/>
+        </p:nvSpPr>
+        <p:spPr>
+          <a:xfrm>
+            <a:off x="5721157" y="2518794"/>
+            <a:ext cx="2791547" cy="307777"/>
+          </a:xfrm>
+          <a:prstGeom prst="rect">
+            <a:avLst/>
+          </a:prstGeom>
+          <a:noFill/>
+        </p:spPr>
+        <p:txBody>
+          <a:bodyPr wrap="square" rtlCol="0">
+            <a:spAutoFit/>
+          </a:bodyPr>
+          <a:lstStyle/>
+          <a:p>
+            <a:r>
+              <a:rPr lang="en-US" altLang="ko-KR" sz="1400" dirty="0"/>
+              <a:t>False</a:t>
+            </a:r>
+            <a:r>
+              <a:rPr lang="en-US" altLang="ko-KR" sz="1000" dirty="0"/>
+              <a:t>(</a:t>
+            </a:r>
+            <a:r>
+              <a:rPr lang="ko-KR" altLang="en-US" sz="1000" dirty="0"/>
+              <a:t>동일한 숫자</a:t>
+            </a:r>
+            <a:r>
+              <a:rPr lang="en-US" altLang="ko-KR" sz="1000" dirty="0"/>
+              <a:t> </a:t>
+            </a:r>
+            <a:r>
+              <a:rPr lang="ko-KR" altLang="en-US" sz="1000" dirty="0"/>
+              <a:t>연결리스트에 없을 시</a:t>
+            </a:r>
+            <a:r>
+              <a:rPr lang="en-US" altLang="ko-KR" sz="1000" dirty="0"/>
+              <a:t>)</a:t>
+            </a:r>
+            <a:endParaRPr lang="ko-KR" altLang="en-US" sz="1100" dirty="0"/>
+          </a:p>
+        </p:txBody>
+      </p:sp>
+      <p:cxnSp>
+        <p:nvCxnSpPr>
+          <p:cNvPr id="29" name="연결선: 꺾임 28">
+            <a:extLst>
+              <a:ext uri="{FF2B5EF4-FFF2-40B4-BE49-F238E27FC236}">
+                <a16:creationId xmlns:a16="http://schemas.microsoft.com/office/drawing/2014/main" id="{247C4AE1-946B-4816-B17D-0CB20BDD2CAC}"/>
+              </a:ext>
+            </a:extLst>
+          </p:cNvPr>
+          <p:cNvCxnSpPr>
+            <a:cxnSpLocks/>
+            <a:stCxn id="14" idx="3"/>
+            <a:endCxn id="17" idx="0"/>
+          </p:cNvCxnSpPr>
+          <p:nvPr/>
+        </p:nvCxnSpPr>
+        <p:spPr>
+          <a:xfrm>
+            <a:off x="5734574" y="2845965"/>
+            <a:ext cx="1646622" cy="1044429"/>
+          </a:xfrm>
+          <a:prstGeom prst="bentConnector2">
+            <a:avLst/>
+          </a:prstGeom>
+          <a:ln>
+            <a:tailEnd type="triangle"/>
+          </a:ln>
+        </p:spPr>
+        <p:style>
+          <a:lnRef idx="1">
+            <a:schemeClr val="accent1"/>
+          </a:lnRef>
+          <a:fillRef idx="0">
+            <a:schemeClr val="accent1"/>
+          </a:fillRef>
+          <a:effectRef idx="0">
+            <a:schemeClr val="accent1"/>
+          </a:effectRef>
+          <a:fontRef idx="minor">
+            <a:schemeClr val="tx1"/>
+          </a:fontRef>
+        </p:style>
+      </p:cxnSp>
+      <p:sp>
+        <p:nvSpPr>
+          <p:cNvPr id="30" name="TextBox 29">
+            <a:extLst>
+              <a:ext uri="{FF2B5EF4-FFF2-40B4-BE49-F238E27FC236}">
+                <a16:creationId xmlns:a16="http://schemas.microsoft.com/office/drawing/2014/main" id="{D6E4F713-E50A-4FFB-8221-F087748C9081}"/>
+              </a:ext>
+            </a:extLst>
+          </p:cNvPr>
+          <p:cNvSpPr txBox="1"/>
+          <p:nvPr/>
+        </p:nvSpPr>
+        <p:spPr>
+          <a:xfrm>
+            <a:off x="2659867" y="2518794"/>
+            <a:ext cx="2794151" cy="307777"/>
+          </a:xfrm>
+          <a:prstGeom prst="rect">
+            <a:avLst/>
+          </a:prstGeom>
+          <a:noFill/>
+        </p:spPr>
+        <p:txBody>
+          <a:bodyPr wrap="square" rtlCol="0">
+            <a:spAutoFit/>
+          </a:bodyPr>
+          <a:lstStyle/>
+          <a:p>
+            <a:r>
+              <a:rPr lang="en-US" altLang="ko-KR" sz="1400" dirty="0"/>
+              <a:t>True</a:t>
+            </a:r>
+            <a:r>
+              <a:rPr lang="en-US" altLang="ko-KR" sz="1000" dirty="0"/>
+              <a:t>(</a:t>
+            </a:r>
+            <a:r>
+              <a:rPr lang="ko-KR" altLang="en-US" sz="1000" dirty="0"/>
+              <a:t>동일한 숫자 연결리스트에 존재 시</a:t>
+            </a:r>
+            <a:r>
+              <a:rPr lang="en-US" altLang="ko-KR" sz="1000" dirty="0"/>
+              <a:t>)</a:t>
+            </a:r>
+            <a:endParaRPr lang="ko-KR" altLang="en-US" sz="1400" dirty="0"/>
+          </a:p>
+        </p:txBody>
+      </p:sp>
+      <p:sp>
+        <p:nvSpPr>
+          <p:cNvPr id="26" name="사각형: 둥근 모서리 25">
+            <a:extLst>
+              <a:ext uri="{FF2B5EF4-FFF2-40B4-BE49-F238E27FC236}">
+                <a16:creationId xmlns:a16="http://schemas.microsoft.com/office/drawing/2014/main" id="{7D53E58A-E7D4-48A6-A643-AF71B51E3B4C}"/>
+              </a:ext>
+            </a:extLst>
+          </p:cNvPr>
+          <p:cNvSpPr/>
+          <p:nvPr/>
+        </p:nvSpPr>
+        <p:spPr>
+          <a:xfrm>
+            <a:off x="2552318" y="3890394"/>
+            <a:ext cx="1109579" cy="538863"/>
+          </a:xfrm>
+          <a:prstGeom prst="roundRect">
+            <a:avLst/>
+          </a:prstGeom>
+          <a:noFill/>
+          <a:ln>
+            <a:solidFill>
+              <a:schemeClr val="tx1"/>
+            </a:solidFill>
+          </a:ln>
+        </p:spPr>
+        <p:style>
+          <a:lnRef idx="2">
+            <a:schemeClr val="accent1">
+              <a:shade val="50000"/>
+            </a:schemeClr>
+          </a:lnRef>
+          <a:fillRef idx="1">
+            <a:schemeClr val="accent1"/>
+          </a:fillRef>
+          <a:effectRef idx="0">
+            <a:schemeClr val="accent1"/>
+          </a:effectRef>
+          <a:fontRef idx="minor">
+            <a:schemeClr val="lt1"/>
+          </a:fontRef>
+        </p:style>
+        <p:txBody>
+          <a:bodyPr rtlCol="0" anchor="ctr"/>
+          <a:lstStyle/>
+          <a:p>
+            <a:pPr algn="ctr"/>
+            <a:r>
+              <a:rPr lang="ko-KR" altLang="en-US" sz="1100" dirty="0">
+                <a:solidFill>
+                  <a:schemeClr val="tx1"/>
+                </a:solidFill>
+              </a:rPr>
+              <a:t>다시 랜덤 값</a:t>
+            </a:r>
+            <a:endParaRPr lang="en-US" altLang="ko-KR" sz="1100" dirty="0">
+              <a:solidFill>
+                <a:schemeClr val="tx1"/>
+              </a:solidFill>
+            </a:endParaRPr>
+          </a:p>
+          <a:p>
+            <a:pPr algn="ctr"/>
+            <a:r>
+              <a:rPr lang="ko-KR" altLang="en-US" sz="1100" dirty="0">
+                <a:solidFill>
+                  <a:schemeClr val="tx1"/>
+                </a:solidFill>
+              </a:rPr>
+              <a:t>불러옴</a:t>
+            </a:r>
+            <a:endParaRPr lang="en-US" altLang="ko-KR" sz="1100" dirty="0">
+              <a:solidFill>
+                <a:schemeClr val="tx1"/>
+              </a:solidFill>
+            </a:endParaRPr>
+          </a:p>
+        </p:txBody>
+      </p:sp>
+      <p:sp>
+        <p:nvSpPr>
+          <p:cNvPr id="17" name="사각형: 둥근 모서리 16">
+            <a:extLst>
+              <a:ext uri="{FF2B5EF4-FFF2-40B4-BE49-F238E27FC236}">
+                <a16:creationId xmlns:a16="http://schemas.microsoft.com/office/drawing/2014/main" id="{54FAC8F2-18F6-421F-A494-465DB70CBD7A}"/>
+              </a:ext>
+            </a:extLst>
+          </p:cNvPr>
+          <p:cNvSpPr/>
+          <p:nvPr/>
+        </p:nvSpPr>
+        <p:spPr>
+          <a:xfrm>
+            <a:off x="6826406" y="3890394"/>
+            <a:ext cx="1109579" cy="538863"/>
+          </a:xfrm>
+          <a:prstGeom prst="roundRect">
+            <a:avLst/>
+          </a:prstGeom>
+          <a:noFill/>
+          <a:ln>
+            <a:solidFill>
+              <a:schemeClr val="tx1"/>
+            </a:solidFill>
+          </a:ln>
+        </p:spPr>
+        <p:style>
+          <a:lnRef idx="2">
+            <a:schemeClr val="accent1">
+              <a:shade val="50000"/>
+            </a:schemeClr>
+          </a:lnRef>
+          <a:fillRef idx="1">
+            <a:schemeClr val="accent1"/>
+          </a:fillRef>
+          <a:effectRef idx="0">
+            <a:schemeClr val="accent1"/>
+          </a:effectRef>
+          <a:fontRef idx="minor">
+            <a:schemeClr val="lt1"/>
+          </a:fontRef>
+        </p:style>
+        <p:txBody>
+          <a:bodyPr rtlCol="0" anchor="ctr"/>
+          <a:lstStyle/>
+          <a:p>
+            <a:pPr algn="ctr"/>
+            <a:r>
+              <a:rPr lang="ko-KR" altLang="en-US" sz="1100" dirty="0">
+                <a:solidFill>
+                  <a:schemeClr val="tx1"/>
+                </a:solidFill>
+              </a:rPr>
+              <a:t>다음 노드로</a:t>
+            </a:r>
+            <a:endParaRPr lang="en-US" altLang="ko-KR" sz="1100" dirty="0">
+              <a:solidFill>
+                <a:schemeClr val="tx1"/>
+              </a:solidFill>
+            </a:endParaRPr>
+          </a:p>
+          <a:p>
+            <a:pPr algn="ctr"/>
+            <a:r>
+              <a:rPr lang="ko-KR" altLang="en-US" sz="1100" dirty="0">
+                <a:solidFill>
+                  <a:schemeClr val="tx1"/>
+                </a:solidFill>
+              </a:rPr>
+              <a:t>넘어 감</a:t>
+            </a:r>
+            <a:endParaRPr lang="en-US" altLang="ko-KR" sz="1100" dirty="0">
+              <a:solidFill>
+                <a:schemeClr val="tx1"/>
+              </a:solidFill>
+            </a:endParaRPr>
+          </a:p>
+        </p:txBody>
+      </p:sp>
+      <p:cxnSp>
+        <p:nvCxnSpPr>
+          <p:cNvPr id="24" name="직선 화살표 연결선 23">
+            <a:extLst>
+              <a:ext uri="{FF2B5EF4-FFF2-40B4-BE49-F238E27FC236}">
+                <a16:creationId xmlns:a16="http://schemas.microsoft.com/office/drawing/2014/main" id="{78AF5443-DFAE-4BE6-BF29-D09535742B62}"/>
+              </a:ext>
+            </a:extLst>
+          </p:cNvPr>
+          <p:cNvCxnSpPr>
+            <a:cxnSpLocks/>
+            <a:stCxn id="14" idx="2"/>
+            <a:endCxn id="32" idx="0"/>
+          </p:cNvCxnSpPr>
+          <p:nvPr/>
+        </p:nvCxnSpPr>
+        <p:spPr>
+          <a:xfrm flipH="1">
+            <a:off x="5377118" y="3173136"/>
+            <a:ext cx="924" cy="1321523"/>
+          </a:xfrm>
+          <a:prstGeom prst="straightConnector1">
+            <a:avLst/>
+          </a:prstGeom>
+          <a:ln>
+            <a:tailEnd type="triangle"/>
+          </a:ln>
+        </p:spPr>
+        <p:style>
+          <a:lnRef idx="1">
+            <a:schemeClr val="accent1"/>
+          </a:lnRef>
+          <a:fillRef idx="0">
+            <a:schemeClr val="accent1"/>
+          </a:fillRef>
+          <a:effectRef idx="0">
+            <a:schemeClr val="accent1"/>
+          </a:effectRef>
+          <a:fontRef idx="minor">
+            <a:schemeClr val="tx1"/>
+          </a:fontRef>
+        </p:style>
+      </p:cxnSp>
+      <p:sp>
+        <p:nvSpPr>
+          <p:cNvPr id="27" name="사각형: 둥근 모서리 26">
+            <a:extLst>
+              <a:ext uri="{FF2B5EF4-FFF2-40B4-BE49-F238E27FC236}">
+                <a16:creationId xmlns:a16="http://schemas.microsoft.com/office/drawing/2014/main" id="{303FE114-BA78-4AD8-99C4-987BE9ED6F41}"/>
+              </a:ext>
+            </a:extLst>
+          </p:cNvPr>
+          <p:cNvSpPr/>
+          <p:nvPr/>
+        </p:nvSpPr>
+        <p:spPr>
+          <a:xfrm>
+            <a:off x="4404694" y="1402011"/>
+            <a:ext cx="1944848" cy="637562"/>
+          </a:xfrm>
+          <a:prstGeom prst="roundRect">
+            <a:avLst/>
+          </a:prstGeom>
+          <a:noFill/>
+          <a:ln>
+            <a:solidFill>
+              <a:schemeClr val="tx1"/>
+            </a:solidFill>
+          </a:ln>
+        </p:spPr>
+        <p:style>
+          <a:lnRef idx="2">
+            <a:schemeClr val="accent1">
+              <a:shade val="50000"/>
+            </a:schemeClr>
+          </a:lnRef>
+          <a:fillRef idx="1">
+            <a:schemeClr val="accent1"/>
+          </a:fillRef>
+          <a:effectRef idx="0">
+            <a:schemeClr val="accent1"/>
+          </a:effectRef>
+          <a:fontRef idx="minor">
+            <a:schemeClr val="lt1"/>
+          </a:fontRef>
+        </p:style>
+        <p:txBody>
+          <a:bodyPr rtlCol="0" anchor="ctr"/>
+          <a:lstStyle/>
+          <a:p>
+            <a:pPr algn="ctr"/>
+            <a:r>
+              <a:rPr lang="ko-KR" altLang="en-US" sz="1400" dirty="0">
+                <a:solidFill>
+                  <a:schemeClr val="tx1"/>
+                </a:solidFill>
+              </a:rPr>
+              <a:t>랜덤 값 </a:t>
+            </a:r>
+            <a:r>
+              <a:rPr lang="en-US" altLang="ko-KR" sz="1400" dirty="0">
+                <a:solidFill>
+                  <a:schemeClr val="tx1"/>
+                </a:solidFill>
+              </a:rPr>
+              <a:t>int</a:t>
+            </a:r>
+            <a:r>
+              <a:rPr lang="ko-KR" altLang="en-US" sz="1400" dirty="0">
+                <a:solidFill>
+                  <a:schemeClr val="tx1"/>
+                </a:solidFill>
+              </a:rPr>
+              <a:t>형</a:t>
+            </a:r>
+            <a:endParaRPr lang="en-US" altLang="ko-KR" sz="1400" dirty="0">
+              <a:solidFill>
+                <a:schemeClr val="tx1"/>
+              </a:solidFill>
+            </a:endParaRPr>
+          </a:p>
+          <a:p>
+            <a:pPr algn="ctr"/>
+            <a:r>
+              <a:rPr lang="ko-KR" altLang="en-US" sz="1400" dirty="0">
+                <a:solidFill>
+                  <a:schemeClr val="tx1"/>
+                </a:solidFill>
+              </a:rPr>
+              <a:t>변수에 삽입</a:t>
+            </a:r>
+            <a:endParaRPr lang="en-US" altLang="ko-KR" sz="1400" dirty="0">
+              <a:solidFill>
+                <a:schemeClr val="tx1"/>
+              </a:solidFill>
+            </a:endParaRPr>
+          </a:p>
+        </p:txBody>
+      </p:sp>
+      <p:cxnSp>
+        <p:nvCxnSpPr>
+          <p:cNvPr id="31" name="직선 화살표 연결선 30">
+            <a:extLst>
+              <a:ext uri="{FF2B5EF4-FFF2-40B4-BE49-F238E27FC236}">
+                <a16:creationId xmlns:a16="http://schemas.microsoft.com/office/drawing/2014/main" id="{58E7E0AE-AD12-48E3-B416-10381495F1AB}"/>
+              </a:ext>
+            </a:extLst>
+          </p:cNvPr>
+          <p:cNvCxnSpPr>
+            <a:cxnSpLocks/>
+            <a:stCxn id="27" idx="2"/>
+            <a:endCxn id="14" idx="0"/>
+          </p:cNvCxnSpPr>
+          <p:nvPr/>
+        </p:nvCxnSpPr>
+        <p:spPr>
+          <a:xfrm>
+            <a:off x="5377118" y="2039573"/>
+            <a:ext cx="924" cy="479221"/>
+          </a:xfrm>
+          <a:prstGeom prst="straightConnector1">
+            <a:avLst/>
+          </a:prstGeom>
+          <a:ln>
+            <a:tailEnd type="triangle"/>
+          </a:ln>
+        </p:spPr>
+        <p:style>
+          <a:lnRef idx="1">
+            <a:schemeClr val="accent1"/>
+          </a:lnRef>
+          <a:fillRef idx="0">
+            <a:schemeClr val="accent1"/>
+          </a:fillRef>
+          <a:effectRef idx="0">
+            <a:schemeClr val="accent1"/>
+          </a:effectRef>
+          <a:fontRef idx="minor">
+            <a:schemeClr val="tx1"/>
+          </a:fontRef>
+        </p:style>
+      </p:cxnSp>
+      <p:sp>
+        <p:nvSpPr>
+          <p:cNvPr id="32" name="사각형: 둥근 모서리 31">
+            <a:extLst>
+              <a:ext uri="{FF2B5EF4-FFF2-40B4-BE49-F238E27FC236}">
+                <a16:creationId xmlns:a16="http://schemas.microsoft.com/office/drawing/2014/main" id="{873757C6-CD29-4C20-BF67-11C02A8F90FF}"/>
+              </a:ext>
+            </a:extLst>
+          </p:cNvPr>
+          <p:cNvSpPr/>
+          <p:nvPr/>
+        </p:nvSpPr>
+        <p:spPr>
+          <a:xfrm>
+            <a:off x="4458646" y="4494659"/>
+            <a:ext cx="1836944" cy="654343"/>
+          </a:xfrm>
+          <a:prstGeom prst="roundRect">
+            <a:avLst/>
+          </a:prstGeom>
+          <a:noFill/>
+          <a:ln>
+            <a:solidFill>
+              <a:schemeClr val="tx1"/>
+            </a:solidFill>
+          </a:ln>
+        </p:spPr>
+        <p:style>
+          <a:lnRef idx="2">
+            <a:schemeClr val="accent1">
+              <a:shade val="50000"/>
+            </a:schemeClr>
+          </a:lnRef>
+          <a:fillRef idx="1">
+            <a:schemeClr val="accent1"/>
+          </a:fillRef>
+          <a:effectRef idx="0">
+            <a:schemeClr val="accent1"/>
+          </a:effectRef>
+          <a:fontRef idx="minor">
+            <a:schemeClr val="lt1"/>
+          </a:fontRef>
+        </p:style>
+        <p:txBody>
+          <a:bodyPr rtlCol="0" anchor="ctr"/>
+          <a:lstStyle/>
+          <a:p>
+            <a:pPr algn="ctr"/>
+            <a:r>
+              <a:rPr lang="ko-KR" altLang="en-US" sz="1100" dirty="0">
+                <a:solidFill>
+                  <a:schemeClr val="tx1"/>
+                </a:solidFill>
+              </a:rPr>
+              <a:t>연결리스트 넣은 횟수가</a:t>
+            </a:r>
+            <a:endParaRPr lang="en-US" altLang="ko-KR" sz="1100" dirty="0">
+              <a:solidFill>
+                <a:schemeClr val="tx1"/>
+              </a:solidFill>
+            </a:endParaRPr>
+          </a:p>
+          <a:p>
+            <a:pPr algn="ctr"/>
+            <a:r>
+              <a:rPr lang="en-US" altLang="ko-KR" sz="1100" dirty="0">
+                <a:solidFill>
+                  <a:schemeClr val="tx1"/>
+                </a:solidFill>
+              </a:rPr>
+              <a:t>5</a:t>
+            </a:r>
+            <a:r>
+              <a:rPr lang="ko-KR" altLang="en-US" sz="1100" dirty="0">
+                <a:solidFill>
+                  <a:schemeClr val="tx1"/>
+                </a:solidFill>
+              </a:rPr>
+              <a:t>번이 넘을 경우</a:t>
+            </a:r>
+            <a:endParaRPr lang="en-US" altLang="ko-KR" sz="1100" dirty="0">
+              <a:solidFill>
+                <a:schemeClr val="tx1"/>
+              </a:solidFill>
+            </a:endParaRPr>
+          </a:p>
+        </p:txBody>
+      </p:sp>
+      <p:cxnSp>
+        <p:nvCxnSpPr>
+          <p:cNvPr id="42" name="직선 화살표 연결선 41">
+            <a:extLst>
+              <a:ext uri="{FF2B5EF4-FFF2-40B4-BE49-F238E27FC236}">
+                <a16:creationId xmlns:a16="http://schemas.microsoft.com/office/drawing/2014/main" id="{559817EF-4BC7-4A7A-87BE-B3E40D64D4D6}"/>
+              </a:ext>
+            </a:extLst>
+          </p:cNvPr>
+          <p:cNvCxnSpPr>
+            <a:cxnSpLocks/>
+            <a:stCxn id="32" idx="2"/>
+            <a:endCxn id="55" idx="0"/>
+          </p:cNvCxnSpPr>
+          <p:nvPr/>
+        </p:nvCxnSpPr>
+        <p:spPr>
+          <a:xfrm>
+            <a:off x="5377118" y="5149002"/>
+            <a:ext cx="0" cy="494479"/>
+          </a:xfrm>
+          <a:prstGeom prst="straightConnector1">
+            <a:avLst/>
+          </a:prstGeom>
+          <a:ln>
+            <a:tailEnd type="triangle"/>
+          </a:ln>
+        </p:spPr>
+        <p:style>
+          <a:lnRef idx="1">
+            <a:schemeClr val="accent1"/>
+          </a:lnRef>
+          <a:fillRef idx="0">
+            <a:schemeClr val="accent1"/>
+          </a:fillRef>
+          <a:effectRef idx="0">
+            <a:schemeClr val="accent1"/>
+          </a:effectRef>
+          <a:fontRef idx="minor">
+            <a:schemeClr val="tx1"/>
+          </a:fontRef>
+        </p:style>
+      </p:cxnSp>
+      <p:cxnSp>
+        <p:nvCxnSpPr>
+          <p:cNvPr id="45" name="연결선: 꺾임 44">
+            <a:extLst>
+              <a:ext uri="{FF2B5EF4-FFF2-40B4-BE49-F238E27FC236}">
+                <a16:creationId xmlns:a16="http://schemas.microsoft.com/office/drawing/2014/main" id="{BD88B341-0642-45D2-920E-F5AAF82BA224}"/>
+              </a:ext>
+            </a:extLst>
+          </p:cNvPr>
+          <p:cNvCxnSpPr>
+            <a:cxnSpLocks/>
+            <a:stCxn id="32" idx="1"/>
+            <a:endCxn id="27" idx="1"/>
+          </p:cNvCxnSpPr>
+          <p:nvPr/>
+        </p:nvCxnSpPr>
+        <p:spPr>
+          <a:xfrm rot="10800000">
+            <a:off x="4404694" y="1720793"/>
+            <a:ext cx="53952" cy="3101039"/>
+          </a:xfrm>
+          <a:prstGeom prst="bentConnector3">
+            <a:avLst>
+              <a:gd name="adj1" fmla="val 523710"/>
+            </a:avLst>
+          </a:prstGeom>
+          <a:ln>
+            <a:tailEnd type="triangle"/>
+          </a:ln>
+        </p:spPr>
+        <p:style>
+          <a:lnRef idx="1">
+            <a:schemeClr val="accent1"/>
+          </a:lnRef>
+          <a:fillRef idx="0">
+            <a:schemeClr val="accent1"/>
+          </a:fillRef>
+          <a:effectRef idx="0">
+            <a:schemeClr val="accent1"/>
+          </a:effectRef>
+          <a:fontRef idx="minor">
+            <a:schemeClr val="tx1"/>
+          </a:fontRef>
+        </p:style>
+      </p:cxnSp>
+      <p:sp>
+        <p:nvSpPr>
+          <p:cNvPr id="48" name="TextBox 47">
+            <a:extLst>
+              <a:ext uri="{FF2B5EF4-FFF2-40B4-BE49-F238E27FC236}">
+                <a16:creationId xmlns:a16="http://schemas.microsoft.com/office/drawing/2014/main" id="{4A876C89-95D2-4FB6-8F44-42700815F25E}"/>
+              </a:ext>
+            </a:extLst>
+          </p:cNvPr>
+          <p:cNvSpPr txBox="1"/>
+          <p:nvPr/>
+        </p:nvSpPr>
+        <p:spPr>
+          <a:xfrm>
+            <a:off x="5377118" y="5155422"/>
+            <a:ext cx="554790" cy="307777"/>
+          </a:xfrm>
+          <a:prstGeom prst="rect">
+            <a:avLst/>
+          </a:prstGeom>
+          <a:noFill/>
+        </p:spPr>
+        <p:txBody>
+          <a:bodyPr wrap="square" rtlCol="0">
+            <a:spAutoFit/>
+          </a:bodyPr>
+          <a:lstStyle/>
+          <a:p>
+            <a:r>
+              <a:rPr lang="en-US" altLang="ko-KR" sz="1400" dirty="0"/>
+              <a:t>Yes</a:t>
+            </a:r>
+            <a:endParaRPr lang="ko-KR" altLang="en-US" sz="1400" dirty="0"/>
+          </a:p>
+        </p:txBody>
+      </p:sp>
+      <p:sp>
+        <p:nvSpPr>
+          <p:cNvPr id="49" name="TextBox 48">
+            <a:extLst>
+              <a:ext uri="{FF2B5EF4-FFF2-40B4-BE49-F238E27FC236}">
+                <a16:creationId xmlns:a16="http://schemas.microsoft.com/office/drawing/2014/main" id="{8657E897-52B9-431E-B972-D3D83007E955}"/>
+              </a:ext>
+            </a:extLst>
+          </p:cNvPr>
+          <p:cNvSpPr txBox="1"/>
+          <p:nvPr/>
+        </p:nvSpPr>
+        <p:spPr>
+          <a:xfrm>
+            <a:off x="4056942" y="4783486"/>
+            <a:ext cx="554790" cy="307777"/>
+          </a:xfrm>
+          <a:prstGeom prst="rect">
+            <a:avLst/>
+          </a:prstGeom>
+          <a:noFill/>
+        </p:spPr>
+        <p:txBody>
+          <a:bodyPr wrap="square" rtlCol="0">
+            <a:spAutoFit/>
+          </a:bodyPr>
+          <a:lstStyle/>
+          <a:p>
+            <a:r>
+              <a:rPr lang="en-US" altLang="ko-KR" sz="1400" dirty="0"/>
+              <a:t>No</a:t>
+            </a:r>
+            <a:endParaRPr lang="ko-KR" altLang="en-US" sz="1400" dirty="0"/>
+          </a:p>
+        </p:txBody>
+      </p:sp>
+      <p:sp>
+        <p:nvSpPr>
+          <p:cNvPr id="55" name="사각형: 둥근 모서리 54">
+            <a:extLst>
+              <a:ext uri="{FF2B5EF4-FFF2-40B4-BE49-F238E27FC236}">
+                <a16:creationId xmlns:a16="http://schemas.microsoft.com/office/drawing/2014/main" id="{606DA5FF-D128-4F3D-A72D-7DEED1AC106E}"/>
+              </a:ext>
+            </a:extLst>
+          </p:cNvPr>
+          <p:cNvSpPr/>
+          <p:nvPr/>
+        </p:nvSpPr>
+        <p:spPr>
+          <a:xfrm>
+            <a:off x="4458646" y="5643481"/>
+            <a:ext cx="1836944" cy="654343"/>
+          </a:xfrm>
+          <a:prstGeom prst="roundRect">
+            <a:avLst/>
+          </a:prstGeom>
+          <a:noFill/>
+          <a:ln>
+            <a:solidFill>
+              <a:schemeClr val="tx1"/>
+            </a:solidFill>
+          </a:ln>
+        </p:spPr>
+        <p:style>
+          <a:lnRef idx="2">
+            <a:schemeClr val="accent1">
+              <a:shade val="50000"/>
+            </a:schemeClr>
+          </a:lnRef>
+          <a:fillRef idx="1">
+            <a:schemeClr val="accent1"/>
+          </a:fillRef>
+          <a:effectRef idx="0">
+            <a:schemeClr val="accent1"/>
+          </a:effectRef>
+          <a:fontRef idx="minor">
+            <a:schemeClr val="lt1"/>
+          </a:fontRef>
+        </p:style>
+        <p:txBody>
+          <a:bodyPr rtlCol="0" anchor="ctr"/>
+          <a:lstStyle/>
+          <a:p>
+            <a:pPr algn="ctr"/>
+            <a:r>
+              <a:rPr lang="ko-KR" altLang="en-US" sz="1100" dirty="0">
+                <a:solidFill>
+                  <a:schemeClr val="tx1"/>
+                </a:solidFill>
+              </a:rPr>
+              <a:t>연결리스트 </a:t>
+            </a:r>
+            <a:r>
+              <a:rPr lang="en-US" altLang="ko-KR" sz="1100" dirty="0">
+                <a:solidFill>
+                  <a:schemeClr val="tx1"/>
+                </a:solidFill>
+              </a:rPr>
+              <a:t>main</a:t>
+            </a:r>
+            <a:r>
+              <a:rPr lang="ko-KR" altLang="en-US" sz="1100" dirty="0">
+                <a:solidFill>
+                  <a:schemeClr val="tx1"/>
+                </a:solidFill>
+              </a:rPr>
+              <a:t>에 리턴</a:t>
+            </a:r>
+            <a:endParaRPr lang="en-US" altLang="ko-KR" sz="1100" dirty="0">
+              <a:solidFill>
+                <a:schemeClr val="tx1"/>
+              </a:solidFill>
+            </a:endParaRPr>
+          </a:p>
+        </p:txBody>
+      </p:sp>
+    </p:spTree>
+    <p:extLst>
+      <p:ext uri="{BB962C8B-B14F-4D97-AF65-F5344CB8AC3E}">
+        <p14:creationId xmlns:p14="http://schemas.microsoft.com/office/powerpoint/2010/main" val="1645721004"/>
+      </p:ext>
+    </p:extLst>
+  </p:cSld>
+  <p:clrMapOvr>
+    <a:masterClrMapping/>
+  </p:clrMapOvr>
+</p:sld>
+</file>
+
+<file path=ppt/slides/slide6.xml><?xml version="1.0" encoding="utf-8"?>
+<p:sld xmlns:a="http://schemas.openxmlformats.org/drawingml/2006/main" xmlns:r="http://schemas.openxmlformats.org/officeDocument/2006/relationships" xmlns:p="http://schemas.openxmlformats.org/presentationml/2006/main">
+  <p:cSld>
+    <p:spTree>
+      <p:nvGrpSpPr>
+        <p:cNvPr id="1" name=""/>
+        <p:cNvGrpSpPr/>
+        <p:nvPr/>
+      </p:nvGrpSpPr>
+      <p:grpSpPr>
+        <a:xfrm>
+          <a:off x="0" y="0"/>
+          <a:ext cx="0" cy="0"/>
+          <a:chOff x="0" y="0"/>
+          <a:chExt cx="0" cy="0"/>
+        </a:xfrm>
+      </p:grpSpPr>
+      <p:sp>
+        <p:nvSpPr>
+          <p:cNvPr id="33" name="직사각형 32">
+            <a:extLst>
+              <a:ext uri="{FF2B5EF4-FFF2-40B4-BE49-F238E27FC236}">
+                <a16:creationId xmlns:a16="http://schemas.microsoft.com/office/drawing/2014/main" id="{23B2228D-CCA2-4581-90DA-6055A39E4B43}"/>
+              </a:ext>
+            </a:extLst>
+          </p:cNvPr>
+          <p:cNvSpPr/>
+          <p:nvPr/>
+        </p:nvSpPr>
+        <p:spPr>
+          <a:xfrm>
+            <a:off x="3674378" y="922789"/>
+            <a:ext cx="3397542" cy="3716323"/>
+          </a:xfrm>
+          <a:prstGeom prst="rect">
+            <a:avLst/>
+          </a:prstGeom>
+          <a:noFill/>
+          <a:ln>
+            <a:solidFill>
+              <a:schemeClr val="tx1"/>
+            </a:solidFill>
+          </a:ln>
+        </p:spPr>
+        <p:style>
+          <a:lnRef idx="2">
+            <a:schemeClr val="accent1">
+              <a:shade val="50000"/>
+            </a:schemeClr>
+          </a:lnRef>
+          <a:fillRef idx="1">
+            <a:schemeClr val="accent1"/>
+          </a:fillRef>
+          <a:effectRef idx="0">
+            <a:schemeClr val="accent1"/>
+          </a:effectRef>
+          <a:fontRef idx="minor">
+            <a:schemeClr val="lt1"/>
+          </a:fontRef>
+        </p:style>
+        <p:txBody>
+          <a:bodyPr rtlCol="0" anchor="ctr"/>
+          <a:lstStyle/>
+          <a:p>
+            <a:pPr algn="ctr"/>
+            <a:endParaRPr lang="ko-KR" altLang="en-US"/>
+          </a:p>
+        </p:txBody>
+      </p:sp>
+      <p:sp>
+        <p:nvSpPr>
+          <p:cNvPr id="5" name="사각형: 둥근 모서리 4">
+            <a:extLst>
+              <a:ext uri="{FF2B5EF4-FFF2-40B4-BE49-F238E27FC236}">
+                <a16:creationId xmlns:a16="http://schemas.microsoft.com/office/drawing/2014/main" id="{1574ED17-BE6F-466E-AA0E-33B50F8A7E87}"/>
+              </a:ext>
+            </a:extLst>
+          </p:cNvPr>
+          <p:cNvSpPr/>
+          <p:nvPr/>
+        </p:nvSpPr>
+        <p:spPr>
+          <a:xfrm>
+            <a:off x="4106488" y="741109"/>
+            <a:ext cx="2541261" cy="307777"/>
+          </a:xfrm>
+          <a:prstGeom prst="roundRect">
+            <a:avLst/>
+          </a:prstGeom>
+          <a:solidFill>
+            <a:schemeClr val="accent1">
+              <a:lumMod val="40000"/>
+              <a:lumOff val="60000"/>
+            </a:schemeClr>
+          </a:solidFill>
+          <a:ln>
+            <a:noFill/>
+          </a:ln>
+        </p:spPr>
+        <p:style>
+          <a:lnRef idx="2">
+            <a:schemeClr val="accent1">
+              <a:shade val="50000"/>
+            </a:schemeClr>
+          </a:lnRef>
+          <a:fillRef idx="1">
+            <a:schemeClr val="accent1"/>
+          </a:fillRef>
+          <a:effectRef idx="0">
+            <a:schemeClr val="accent1"/>
+          </a:effectRef>
+          <a:fontRef idx="minor">
+            <a:schemeClr val="lt1"/>
+          </a:fontRef>
+        </p:style>
+        <p:txBody>
+          <a:bodyPr rtlCol="0" anchor="ctr"/>
+          <a:lstStyle/>
+          <a:p>
+            <a:pPr algn="ctr"/>
+            <a:r>
+              <a:rPr lang="ko-KR" altLang="en-US" sz="1400" dirty="0">
+                <a:solidFill>
+                  <a:schemeClr val="tx1"/>
+                </a:solidFill>
+              </a:rPr>
+              <a:t>스트라이크 확인</a:t>
+            </a:r>
+            <a:endParaRPr lang="en-US" altLang="ko-KR" sz="1400" dirty="0">
+              <a:solidFill>
+                <a:schemeClr val="tx1"/>
+              </a:solidFill>
+            </a:endParaRPr>
+          </a:p>
+        </p:txBody>
+      </p:sp>
+      <p:sp>
+        <p:nvSpPr>
+          <p:cNvPr id="20" name="사각형: 둥근 모서리 19">
+            <a:extLst>
+              <a:ext uri="{FF2B5EF4-FFF2-40B4-BE49-F238E27FC236}">
+                <a16:creationId xmlns:a16="http://schemas.microsoft.com/office/drawing/2014/main" id="{CEABD2ED-CF9B-4D3D-9AC3-BA5A0284CD98}"/>
+              </a:ext>
+            </a:extLst>
+          </p:cNvPr>
+          <p:cNvSpPr/>
+          <p:nvPr/>
+        </p:nvSpPr>
+        <p:spPr>
+          <a:xfrm>
+            <a:off x="4096916" y="1230566"/>
+            <a:ext cx="2579668" cy="637562"/>
+          </a:xfrm>
+          <a:prstGeom prst="roundRect">
+            <a:avLst/>
+          </a:prstGeom>
+          <a:noFill/>
+          <a:ln>
+            <a:solidFill>
+              <a:schemeClr val="tx1"/>
+            </a:solidFill>
+          </a:ln>
+        </p:spPr>
+        <p:style>
+          <a:lnRef idx="2">
+            <a:schemeClr val="accent1">
+              <a:shade val="50000"/>
+            </a:schemeClr>
+          </a:lnRef>
+          <a:fillRef idx="1">
+            <a:schemeClr val="accent1"/>
+          </a:fillRef>
+          <a:effectRef idx="0">
+            <a:schemeClr val="accent1"/>
+          </a:effectRef>
+          <a:fontRef idx="minor">
+            <a:schemeClr val="lt1"/>
+          </a:fontRef>
+        </p:style>
+        <p:txBody>
+          <a:bodyPr rtlCol="0" anchor="ctr"/>
+          <a:lstStyle/>
+          <a:p>
+            <a:pPr algn="ctr"/>
+            <a:r>
+              <a:rPr lang="ko-KR" altLang="en-US" sz="1100" dirty="0">
+                <a:solidFill>
+                  <a:schemeClr val="tx1"/>
+                </a:solidFill>
+              </a:rPr>
+              <a:t>사용자가 입력해서 나눈 </a:t>
+            </a:r>
+            <a:r>
+              <a:rPr lang="en-US" altLang="ko-KR" sz="1100" dirty="0">
+                <a:solidFill>
+                  <a:schemeClr val="tx1"/>
+                </a:solidFill>
+              </a:rPr>
+              <a:t>5</a:t>
+            </a:r>
+            <a:r>
+              <a:rPr lang="ko-KR" altLang="en-US" sz="1100" dirty="0">
+                <a:solidFill>
+                  <a:schemeClr val="tx1"/>
+                </a:solidFill>
+              </a:rPr>
+              <a:t>개의 값과 연결리스트 매개 변수로 받음</a:t>
+            </a:r>
+            <a:endParaRPr lang="en-US" altLang="ko-KR" sz="1100" dirty="0">
+              <a:solidFill>
+                <a:schemeClr val="tx1"/>
+              </a:solidFill>
+            </a:endParaRPr>
+          </a:p>
+        </p:txBody>
+      </p:sp>
+      <p:cxnSp>
+        <p:nvCxnSpPr>
+          <p:cNvPr id="21" name="직선 화살표 연결선 20">
+            <a:extLst>
+              <a:ext uri="{FF2B5EF4-FFF2-40B4-BE49-F238E27FC236}">
+                <a16:creationId xmlns:a16="http://schemas.microsoft.com/office/drawing/2014/main" id="{0A78BA05-A35B-4E90-8063-6172234AF48D}"/>
+              </a:ext>
+            </a:extLst>
+          </p:cNvPr>
+          <p:cNvCxnSpPr>
+            <a:cxnSpLocks/>
+            <a:stCxn id="20" idx="2"/>
+            <a:endCxn id="28" idx="0"/>
+          </p:cNvCxnSpPr>
+          <p:nvPr/>
+        </p:nvCxnSpPr>
+        <p:spPr>
+          <a:xfrm>
+            <a:off x="5386750" y="1868128"/>
+            <a:ext cx="0" cy="497567"/>
+          </a:xfrm>
+          <a:prstGeom prst="straightConnector1">
+            <a:avLst/>
+          </a:prstGeom>
+          <a:ln>
+            <a:tailEnd type="triangle"/>
+          </a:ln>
+        </p:spPr>
+        <p:style>
+          <a:lnRef idx="1">
+            <a:schemeClr val="accent1"/>
+          </a:lnRef>
+          <a:fillRef idx="0">
+            <a:schemeClr val="accent1"/>
+          </a:fillRef>
+          <a:effectRef idx="0">
+            <a:schemeClr val="accent1"/>
+          </a:effectRef>
+          <a:fontRef idx="minor">
+            <a:schemeClr val="tx1"/>
+          </a:fontRef>
+        </p:style>
+      </p:cxnSp>
+      <p:sp>
+        <p:nvSpPr>
+          <p:cNvPr id="28" name="사각형: 둥근 모서리 27">
+            <a:extLst>
+              <a:ext uri="{FF2B5EF4-FFF2-40B4-BE49-F238E27FC236}">
+                <a16:creationId xmlns:a16="http://schemas.microsoft.com/office/drawing/2014/main" id="{28E583A8-FB3F-4DA5-A52C-EDE18FBA2071}"/>
+              </a:ext>
+            </a:extLst>
+          </p:cNvPr>
+          <p:cNvSpPr/>
+          <p:nvPr/>
+        </p:nvSpPr>
+        <p:spPr>
+          <a:xfrm>
+            <a:off x="3966361" y="2365695"/>
+            <a:ext cx="2840777" cy="637562"/>
+          </a:xfrm>
+          <a:prstGeom prst="roundRect">
+            <a:avLst/>
+          </a:prstGeom>
+          <a:noFill/>
+          <a:ln>
+            <a:solidFill>
+              <a:schemeClr val="tx1"/>
+            </a:solidFill>
+          </a:ln>
+        </p:spPr>
+        <p:style>
+          <a:lnRef idx="2">
+            <a:schemeClr val="accent1">
+              <a:shade val="50000"/>
+            </a:schemeClr>
+          </a:lnRef>
+          <a:fillRef idx="1">
+            <a:schemeClr val="accent1"/>
+          </a:fillRef>
+          <a:effectRef idx="0">
+            <a:schemeClr val="accent1"/>
+          </a:effectRef>
+          <a:fontRef idx="minor">
+            <a:schemeClr val="lt1"/>
+          </a:fontRef>
+        </p:style>
+        <p:txBody>
+          <a:bodyPr rtlCol="0" anchor="ctr"/>
+          <a:lstStyle/>
+          <a:p>
+            <a:pPr algn="ctr"/>
+            <a:r>
+              <a:rPr lang="ko-KR" altLang="en-US" sz="1100" dirty="0">
+                <a:solidFill>
+                  <a:schemeClr val="tx1"/>
+                </a:solidFill>
+              </a:rPr>
+              <a:t>유저가 입력한 값과 위치가</a:t>
+            </a:r>
+            <a:endParaRPr lang="en-US" altLang="ko-KR" sz="1100" dirty="0">
+              <a:solidFill>
+                <a:schemeClr val="tx1"/>
+              </a:solidFill>
+            </a:endParaRPr>
+          </a:p>
+          <a:p>
+            <a:pPr algn="ctr"/>
+            <a:r>
+              <a:rPr lang="ko-KR" altLang="en-US" sz="1100" dirty="0">
+                <a:solidFill>
+                  <a:schemeClr val="tx1"/>
+                </a:solidFill>
+              </a:rPr>
+              <a:t>연결리스트의 값과 위치가 동일할 경우</a:t>
+            </a:r>
+            <a:endParaRPr lang="en-US" altLang="ko-KR" sz="1100" dirty="0">
+              <a:solidFill>
+                <a:schemeClr val="tx1"/>
+              </a:solidFill>
+            </a:endParaRPr>
+          </a:p>
+          <a:p>
+            <a:pPr algn="ctr"/>
+            <a:r>
+              <a:rPr lang="ko-KR" altLang="en-US" sz="1100" dirty="0">
+                <a:solidFill>
+                  <a:schemeClr val="tx1"/>
+                </a:solidFill>
+              </a:rPr>
+              <a:t>같을 경우 스트라이크 카운트</a:t>
+            </a:r>
+            <a:r>
+              <a:rPr lang="en-US" altLang="ko-KR" sz="1100" dirty="0">
+                <a:solidFill>
+                  <a:schemeClr val="tx1"/>
+                </a:solidFill>
+              </a:rPr>
+              <a:t>+1</a:t>
+            </a:r>
+          </a:p>
+        </p:txBody>
+      </p:sp>
+      <p:sp>
+        <p:nvSpPr>
+          <p:cNvPr id="34" name="사각형: 둥근 모서리 33">
+            <a:extLst>
+              <a:ext uri="{FF2B5EF4-FFF2-40B4-BE49-F238E27FC236}">
+                <a16:creationId xmlns:a16="http://schemas.microsoft.com/office/drawing/2014/main" id="{E3667B2B-4A7B-47F3-8C7B-82C2610FC023}"/>
+              </a:ext>
+            </a:extLst>
+          </p:cNvPr>
+          <p:cNvSpPr/>
+          <p:nvPr/>
+        </p:nvSpPr>
+        <p:spPr>
+          <a:xfrm>
+            <a:off x="3966361" y="3615657"/>
+            <a:ext cx="2840777" cy="637562"/>
+          </a:xfrm>
+          <a:prstGeom prst="roundRect">
+            <a:avLst/>
+          </a:prstGeom>
+          <a:noFill/>
+          <a:ln>
+            <a:solidFill>
+              <a:schemeClr val="tx1"/>
+            </a:solidFill>
+          </a:ln>
+        </p:spPr>
+        <p:style>
+          <a:lnRef idx="2">
+            <a:schemeClr val="accent1">
+              <a:shade val="50000"/>
+            </a:schemeClr>
+          </a:lnRef>
+          <a:fillRef idx="1">
+            <a:schemeClr val="accent1"/>
+          </a:fillRef>
+          <a:effectRef idx="0">
+            <a:schemeClr val="accent1"/>
+          </a:effectRef>
+          <a:fontRef idx="minor">
+            <a:schemeClr val="lt1"/>
+          </a:fontRef>
+        </p:style>
+        <p:txBody>
+          <a:bodyPr rtlCol="0" anchor="ctr"/>
+          <a:lstStyle/>
+          <a:p>
+            <a:pPr algn="ctr"/>
+            <a:r>
+              <a:rPr lang="ko-KR" altLang="en-US" sz="1100" dirty="0">
+                <a:solidFill>
+                  <a:schemeClr val="tx1"/>
+                </a:solidFill>
+              </a:rPr>
+              <a:t>최종 스트라이크 카운트 </a:t>
+            </a:r>
+            <a:r>
+              <a:rPr lang="en-US" altLang="ko-KR" sz="1100" dirty="0">
+                <a:solidFill>
+                  <a:schemeClr val="tx1"/>
+                </a:solidFill>
+              </a:rPr>
+              <a:t>main</a:t>
+            </a:r>
+            <a:r>
+              <a:rPr lang="ko-KR" altLang="en-US" sz="1100" dirty="0">
+                <a:solidFill>
+                  <a:schemeClr val="tx1"/>
+                </a:solidFill>
+              </a:rPr>
+              <a:t>에 리턴</a:t>
+            </a:r>
+            <a:endParaRPr lang="en-US" altLang="ko-KR" sz="1100" dirty="0">
+              <a:solidFill>
+                <a:schemeClr val="tx1"/>
+              </a:solidFill>
+            </a:endParaRPr>
+          </a:p>
+        </p:txBody>
+      </p:sp>
+      <p:cxnSp>
+        <p:nvCxnSpPr>
+          <p:cNvPr id="35" name="직선 화살표 연결선 34">
+            <a:extLst>
+              <a:ext uri="{FF2B5EF4-FFF2-40B4-BE49-F238E27FC236}">
+                <a16:creationId xmlns:a16="http://schemas.microsoft.com/office/drawing/2014/main" id="{A1EE2E5D-8D3E-4CA5-AABB-4754614E212D}"/>
+              </a:ext>
+            </a:extLst>
+          </p:cNvPr>
+          <p:cNvCxnSpPr>
+            <a:cxnSpLocks/>
+            <a:stCxn id="28" idx="2"/>
+            <a:endCxn id="34" idx="0"/>
+          </p:cNvCxnSpPr>
+          <p:nvPr/>
+        </p:nvCxnSpPr>
+        <p:spPr>
+          <a:xfrm>
+            <a:off x="5386750" y="3003257"/>
+            <a:ext cx="0" cy="612400"/>
+          </a:xfrm>
+          <a:prstGeom prst="straightConnector1">
+            <a:avLst/>
+          </a:prstGeom>
+          <a:ln>
+            <a:tailEnd type="triangle"/>
+          </a:ln>
+        </p:spPr>
+        <p:style>
+          <a:lnRef idx="1">
+            <a:schemeClr val="accent1"/>
+          </a:lnRef>
+          <a:fillRef idx="0">
+            <a:schemeClr val="accent1"/>
+          </a:fillRef>
+          <a:effectRef idx="0">
+            <a:schemeClr val="accent1"/>
+          </a:effectRef>
+          <a:fontRef idx="minor">
+            <a:schemeClr val="tx1"/>
+          </a:fontRef>
+        </p:style>
+      </p:cxnSp>
+      <p:sp>
+        <p:nvSpPr>
+          <p:cNvPr id="37" name="TextBox 36">
+            <a:extLst>
+              <a:ext uri="{FF2B5EF4-FFF2-40B4-BE49-F238E27FC236}">
+                <a16:creationId xmlns:a16="http://schemas.microsoft.com/office/drawing/2014/main" id="{B1795668-7DAA-44EE-8B57-1A19E7DC6E36}"/>
+              </a:ext>
+            </a:extLst>
+          </p:cNvPr>
+          <p:cNvSpPr txBox="1"/>
+          <p:nvPr/>
+        </p:nvSpPr>
+        <p:spPr>
+          <a:xfrm>
+            <a:off x="5377118" y="3127515"/>
+            <a:ext cx="1105595" cy="307777"/>
+          </a:xfrm>
+          <a:prstGeom prst="rect">
+            <a:avLst/>
+          </a:prstGeom>
+          <a:noFill/>
+        </p:spPr>
+        <p:txBody>
+          <a:bodyPr wrap="square" rtlCol="0">
+            <a:spAutoFit/>
+          </a:bodyPr>
+          <a:lstStyle/>
+          <a:p>
+            <a:r>
+              <a:rPr lang="en-US" altLang="ko-KR" sz="1400" dirty="0">
+                <a:solidFill>
+                  <a:srgbClr val="FF0000"/>
+                </a:solidFill>
+              </a:rPr>
+              <a:t>5</a:t>
+            </a:r>
+            <a:r>
+              <a:rPr lang="ko-KR" altLang="en-US" sz="1400" dirty="0">
+                <a:solidFill>
+                  <a:srgbClr val="FF0000"/>
+                </a:solidFill>
+              </a:rPr>
+              <a:t>번 반복</a:t>
+            </a:r>
+          </a:p>
+        </p:txBody>
+      </p:sp>
+    </p:spTree>
+    <p:extLst>
+      <p:ext uri="{BB962C8B-B14F-4D97-AF65-F5344CB8AC3E}">
+        <p14:creationId xmlns:p14="http://schemas.microsoft.com/office/powerpoint/2010/main" val="2949392534"/>
+      </p:ext>
+    </p:extLst>
+  </p:cSld>
+  <p:clrMapOvr>
+    <a:masterClrMapping/>
+  </p:clrMapOvr>
+</p:sld>
+</file>
+
+<file path=ppt/slides/slide7.xml><?xml version="1.0" encoding="utf-8"?>
+<p:sld xmlns:a="http://schemas.openxmlformats.org/drawingml/2006/main" xmlns:r="http://schemas.openxmlformats.org/officeDocument/2006/relationships" xmlns:p="http://schemas.openxmlformats.org/presentationml/2006/main">
+  <p:cSld>
+    <p:spTree>
+      <p:nvGrpSpPr>
+        <p:cNvPr id="1" name=""/>
+        <p:cNvGrpSpPr/>
+        <p:nvPr/>
+      </p:nvGrpSpPr>
+      <p:grpSpPr>
+        <a:xfrm>
+          <a:off x="0" y="0"/>
+          <a:ext cx="0" cy="0"/>
+          <a:chOff x="0" y="0"/>
+          <a:chExt cx="0" cy="0"/>
+        </a:xfrm>
+      </p:grpSpPr>
+      <p:sp>
+        <p:nvSpPr>
+          <p:cNvPr id="33" name="직사각형 32">
+            <a:extLst>
+              <a:ext uri="{FF2B5EF4-FFF2-40B4-BE49-F238E27FC236}">
+                <a16:creationId xmlns:a16="http://schemas.microsoft.com/office/drawing/2014/main" id="{23B2228D-CCA2-4581-90DA-6055A39E4B43}"/>
+              </a:ext>
+            </a:extLst>
+          </p:cNvPr>
+          <p:cNvSpPr/>
+          <p:nvPr/>
+        </p:nvSpPr>
+        <p:spPr>
+          <a:xfrm>
+            <a:off x="3674378" y="922789"/>
+            <a:ext cx="3397542" cy="3716323"/>
+          </a:xfrm>
+          <a:prstGeom prst="rect">
+            <a:avLst/>
+          </a:prstGeom>
+          <a:noFill/>
+          <a:ln>
+            <a:solidFill>
+              <a:schemeClr val="tx1"/>
+            </a:solidFill>
+          </a:ln>
+        </p:spPr>
+        <p:style>
+          <a:lnRef idx="2">
+            <a:schemeClr val="accent1">
+              <a:shade val="50000"/>
+            </a:schemeClr>
+          </a:lnRef>
+          <a:fillRef idx="1">
+            <a:schemeClr val="accent1"/>
+          </a:fillRef>
+          <a:effectRef idx="0">
+            <a:schemeClr val="accent1"/>
+          </a:effectRef>
+          <a:fontRef idx="minor">
+            <a:schemeClr val="lt1"/>
+          </a:fontRef>
+        </p:style>
+        <p:txBody>
+          <a:bodyPr rtlCol="0" anchor="ctr"/>
+          <a:lstStyle/>
+          <a:p>
+            <a:pPr algn="ctr"/>
+            <a:endParaRPr lang="ko-KR" altLang="en-US"/>
+          </a:p>
+        </p:txBody>
+      </p:sp>
+      <p:sp>
+        <p:nvSpPr>
+          <p:cNvPr id="5" name="사각형: 둥근 모서리 4">
+            <a:extLst>
+              <a:ext uri="{FF2B5EF4-FFF2-40B4-BE49-F238E27FC236}">
+                <a16:creationId xmlns:a16="http://schemas.microsoft.com/office/drawing/2014/main" id="{1574ED17-BE6F-466E-AA0E-33B50F8A7E87}"/>
+              </a:ext>
+            </a:extLst>
+          </p:cNvPr>
+          <p:cNvSpPr/>
+          <p:nvPr/>
+        </p:nvSpPr>
+        <p:spPr>
+          <a:xfrm>
+            <a:off x="4106488" y="741109"/>
+            <a:ext cx="2541261" cy="307777"/>
+          </a:xfrm>
+          <a:prstGeom prst="roundRect">
+            <a:avLst/>
+          </a:prstGeom>
+          <a:solidFill>
+            <a:schemeClr val="accent1">
+              <a:lumMod val="40000"/>
+              <a:lumOff val="60000"/>
+            </a:schemeClr>
+          </a:solidFill>
+          <a:ln>
+            <a:noFill/>
+          </a:ln>
+        </p:spPr>
+        <p:style>
+          <a:lnRef idx="2">
+            <a:schemeClr val="accent1">
+              <a:shade val="50000"/>
+            </a:schemeClr>
+          </a:lnRef>
+          <a:fillRef idx="1">
+            <a:schemeClr val="accent1"/>
+          </a:fillRef>
+          <a:effectRef idx="0">
+            <a:schemeClr val="accent1"/>
+          </a:effectRef>
+          <a:fontRef idx="minor">
+            <a:schemeClr val="lt1"/>
+          </a:fontRef>
+        </p:style>
+        <p:txBody>
+          <a:bodyPr rtlCol="0" anchor="ctr"/>
+          <a:lstStyle/>
+          <a:p>
+            <a:pPr algn="ctr"/>
+            <a:r>
+              <a:rPr lang="ko-KR" altLang="en-US" sz="1400" dirty="0">
+                <a:solidFill>
+                  <a:schemeClr val="tx1"/>
+                </a:solidFill>
+              </a:rPr>
+              <a:t>볼 확인</a:t>
+            </a:r>
+            <a:endParaRPr lang="en-US" altLang="ko-KR" sz="1400" dirty="0">
+              <a:solidFill>
+                <a:schemeClr val="tx1"/>
+              </a:solidFill>
+            </a:endParaRPr>
+          </a:p>
+        </p:txBody>
+      </p:sp>
+      <p:sp>
+        <p:nvSpPr>
+          <p:cNvPr id="20" name="사각형: 둥근 모서리 19">
+            <a:extLst>
+              <a:ext uri="{FF2B5EF4-FFF2-40B4-BE49-F238E27FC236}">
+                <a16:creationId xmlns:a16="http://schemas.microsoft.com/office/drawing/2014/main" id="{CEABD2ED-CF9B-4D3D-9AC3-BA5A0284CD98}"/>
+              </a:ext>
+            </a:extLst>
+          </p:cNvPr>
+          <p:cNvSpPr/>
+          <p:nvPr/>
+        </p:nvSpPr>
+        <p:spPr>
+          <a:xfrm>
+            <a:off x="4096916" y="1230566"/>
+            <a:ext cx="2579668" cy="637562"/>
+          </a:xfrm>
+          <a:prstGeom prst="roundRect">
+            <a:avLst/>
+          </a:prstGeom>
+          <a:noFill/>
+          <a:ln>
+            <a:solidFill>
+              <a:schemeClr val="tx1"/>
+            </a:solidFill>
+          </a:ln>
+        </p:spPr>
+        <p:style>
+          <a:lnRef idx="2">
+            <a:schemeClr val="accent1">
+              <a:shade val="50000"/>
+            </a:schemeClr>
+          </a:lnRef>
+          <a:fillRef idx="1">
+            <a:schemeClr val="accent1"/>
+          </a:fillRef>
+          <a:effectRef idx="0">
+            <a:schemeClr val="accent1"/>
+          </a:effectRef>
+          <a:fontRef idx="minor">
+            <a:schemeClr val="lt1"/>
+          </a:fontRef>
+        </p:style>
+        <p:txBody>
+          <a:bodyPr rtlCol="0" anchor="ctr"/>
+          <a:lstStyle/>
+          <a:p>
+            <a:pPr algn="ctr"/>
+            <a:r>
+              <a:rPr lang="ko-KR" altLang="en-US" sz="1100" dirty="0">
+                <a:solidFill>
+                  <a:schemeClr val="tx1"/>
+                </a:solidFill>
+              </a:rPr>
+              <a:t>사용자가 입력해서 나눈 </a:t>
+            </a:r>
+            <a:r>
+              <a:rPr lang="en-US" altLang="ko-KR" sz="1100" dirty="0">
+                <a:solidFill>
+                  <a:schemeClr val="tx1"/>
+                </a:solidFill>
+              </a:rPr>
+              <a:t>5</a:t>
+            </a:r>
+            <a:r>
+              <a:rPr lang="ko-KR" altLang="en-US" sz="1100" dirty="0">
+                <a:solidFill>
+                  <a:schemeClr val="tx1"/>
+                </a:solidFill>
+              </a:rPr>
+              <a:t>개의 값과 연결리스트 매개 변수로 받음</a:t>
+            </a:r>
+            <a:endParaRPr lang="en-US" altLang="ko-KR" sz="1100" dirty="0">
+              <a:solidFill>
+                <a:schemeClr val="tx1"/>
+              </a:solidFill>
+            </a:endParaRPr>
+          </a:p>
+        </p:txBody>
+      </p:sp>
+      <p:cxnSp>
+        <p:nvCxnSpPr>
+          <p:cNvPr id="21" name="직선 화살표 연결선 20">
+            <a:extLst>
+              <a:ext uri="{FF2B5EF4-FFF2-40B4-BE49-F238E27FC236}">
+                <a16:creationId xmlns:a16="http://schemas.microsoft.com/office/drawing/2014/main" id="{0A78BA05-A35B-4E90-8063-6172234AF48D}"/>
+              </a:ext>
+            </a:extLst>
+          </p:cNvPr>
+          <p:cNvCxnSpPr>
+            <a:cxnSpLocks/>
+            <a:stCxn id="20" idx="2"/>
+            <a:endCxn id="28" idx="0"/>
+          </p:cNvCxnSpPr>
+          <p:nvPr/>
+        </p:nvCxnSpPr>
+        <p:spPr>
+          <a:xfrm>
+            <a:off x="5386750" y="1868128"/>
+            <a:ext cx="0" cy="497567"/>
+          </a:xfrm>
+          <a:prstGeom prst="straightConnector1">
+            <a:avLst/>
+          </a:prstGeom>
+          <a:ln>
+            <a:tailEnd type="triangle"/>
+          </a:ln>
+        </p:spPr>
+        <p:style>
+          <a:lnRef idx="1">
+            <a:schemeClr val="accent1"/>
+          </a:lnRef>
+          <a:fillRef idx="0">
+            <a:schemeClr val="accent1"/>
+          </a:fillRef>
+          <a:effectRef idx="0">
+            <a:schemeClr val="accent1"/>
+          </a:effectRef>
+          <a:fontRef idx="minor">
+            <a:schemeClr val="tx1"/>
+          </a:fontRef>
+        </p:style>
+      </p:cxnSp>
+      <p:sp>
+        <p:nvSpPr>
+          <p:cNvPr id="28" name="사각형: 둥근 모서리 27">
+            <a:extLst>
+              <a:ext uri="{FF2B5EF4-FFF2-40B4-BE49-F238E27FC236}">
+                <a16:creationId xmlns:a16="http://schemas.microsoft.com/office/drawing/2014/main" id="{28E583A8-FB3F-4DA5-A52C-EDE18FBA2071}"/>
+              </a:ext>
+            </a:extLst>
+          </p:cNvPr>
+          <p:cNvSpPr/>
+          <p:nvPr/>
+        </p:nvSpPr>
+        <p:spPr>
+          <a:xfrm>
+            <a:off x="3966361" y="2365695"/>
+            <a:ext cx="2840777" cy="637562"/>
+          </a:xfrm>
+          <a:prstGeom prst="roundRect">
+            <a:avLst/>
+          </a:prstGeom>
+          <a:noFill/>
+          <a:ln>
+            <a:solidFill>
+              <a:schemeClr val="tx1"/>
+            </a:solidFill>
+          </a:ln>
+        </p:spPr>
+        <p:style>
+          <a:lnRef idx="2">
+            <a:schemeClr val="accent1">
+              <a:shade val="50000"/>
+            </a:schemeClr>
+          </a:lnRef>
+          <a:fillRef idx="1">
+            <a:schemeClr val="accent1"/>
+          </a:fillRef>
+          <a:effectRef idx="0">
+            <a:schemeClr val="accent1"/>
+          </a:effectRef>
+          <a:fontRef idx="minor">
+            <a:schemeClr val="lt1"/>
+          </a:fontRef>
+        </p:style>
+        <p:txBody>
+          <a:bodyPr rtlCol="0" anchor="ctr"/>
+          <a:lstStyle/>
+          <a:p>
+            <a:pPr algn="ctr"/>
+            <a:r>
+              <a:rPr lang="ko-KR" altLang="en-US" sz="1100" dirty="0">
+                <a:solidFill>
+                  <a:schemeClr val="tx1"/>
+                </a:solidFill>
+              </a:rPr>
+              <a:t>유저가 입력한 값이 위치는 같지 않으며 연결리스트 내의 동일한 숫자 추출</a:t>
+            </a:r>
+            <a:endParaRPr lang="en-US" altLang="ko-KR" sz="1100" dirty="0">
+              <a:solidFill>
+                <a:schemeClr val="tx1"/>
+              </a:solidFill>
+            </a:endParaRPr>
+          </a:p>
+        </p:txBody>
+      </p:sp>
+      <p:sp>
+        <p:nvSpPr>
+          <p:cNvPr id="34" name="사각형: 둥근 모서리 33">
+            <a:extLst>
+              <a:ext uri="{FF2B5EF4-FFF2-40B4-BE49-F238E27FC236}">
+                <a16:creationId xmlns:a16="http://schemas.microsoft.com/office/drawing/2014/main" id="{E3667B2B-4A7B-47F3-8C7B-82C2610FC023}"/>
+              </a:ext>
+            </a:extLst>
+          </p:cNvPr>
+          <p:cNvSpPr/>
+          <p:nvPr/>
+        </p:nvSpPr>
+        <p:spPr>
+          <a:xfrm>
+            <a:off x="3966361" y="3615657"/>
+            <a:ext cx="2840777" cy="637562"/>
+          </a:xfrm>
+          <a:prstGeom prst="roundRect">
+            <a:avLst/>
+          </a:prstGeom>
+          <a:noFill/>
+          <a:ln>
+            <a:solidFill>
+              <a:schemeClr val="tx1"/>
+            </a:solidFill>
+          </a:ln>
+        </p:spPr>
+        <p:style>
+          <a:lnRef idx="2">
+            <a:schemeClr val="accent1">
+              <a:shade val="50000"/>
+            </a:schemeClr>
+          </a:lnRef>
+          <a:fillRef idx="1">
+            <a:schemeClr val="accent1"/>
+          </a:fillRef>
+          <a:effectRef idx="0">
+            <a:schemeClr val="accent1"/>
+          </a:effectRef>
+          <a:fontRef idx="minor">
+            <a:schemeClr val="lt1"/>
+          </a:fontRef>
+        </p:style>
+        <p:txBody>
+          <a:bodyPr rtlCol="0" anchor="ctr"/>
+          <a:lstStyle/>
+          <a:p>
+            <a:pPr algn="ctr"/>
+            <a:r>
+              <a:rPr lang="ko-KR" altLang="en-US" sz="1100" dirty="0">
+                <a:solidFill>
+                  <a:schemeClr val="tx1"/>
+                </a:solidFill>
+              </a:rPr>
+              <a:t>최종 볼 카운트 </a:t>
+            </a:r>
+            <a:r>
+              <a:rPr lang="en-US" altLang="ko-KR" sz="1100" dirty="0">
+                <a:solidFill>
+                  <a:schemeClr val="tx1"/>
+                </a:solidFill>
+              </a:rPr>
+              <a:t>main</a:t>
+            </a:r>
+            <a:r>
+              <a:rPr lang="ko-KR" altLang="en-US" sz="1100" dirty="0">
+                <a:solidFill>
+                  <a:schemeClr val="tx1"/>
+                </a:solidFill>
+              </a:rPr>
+              <a:t>에 리턴</a:t>
+            </a:r>
+            <a:endParaRPr lang="en-US" altLang="ko-KR" sz="1100" dirty="0">
+              <a:solidFill>
+                <a:schemeClr val="tx1"/>
+              </a:solidFill>
+            </a:endParaRPr>
+          </a:p>
+        </p:txBody>
+      </p:sp>
+      <p:cxnSp>
+        <p:nvCxnSpPr>
+          <p:cNvPr id="35" name="직선 화살표 연결선 34">
+            <a:extLst>
+              <a:ext uri="{FF2B5EF4-FFF2-40B4-BE49-F238E27FC236}">
+                <a16:creationId xmlns:a16="http://schemas.microsoft.com/office/drawing/2014/main" id="{A1EE2E5D-8D3E-4CA5-AABB-4754614E212D}"/>
+              </a:ext>
+            </a:extLst>
+          </p:cNvPr>
+          <p:cNvCxnSpPr>
+            <a:cxnSpLocks/>
+            <a:stCxn id="28" idx="2"/>
+            <a:endCxn id="34" idx="0"/>
+          </p:cNvCxnSpPr>
+          <p:nvPr/>
+        </p:nvCxnSpPr>
+        <p:spPr>
+          <a:xfrm>
+            <a:off x="5386750" y="3003257"/>
+            <a:ext cx="0" cy="612400"/>
+          </a:xfrm>
+          <a:prstGeom prst="straightConnector1">
+            <a:avLst/>
+          </a:prstGeom>
+          <a:ln>
+            <a:tailEnd type="triangle"/>
+          </a:ln>
+        </p:spPr>
+        <p:style>
+          <a:lnRef idx="1">
+            <a:schemeClr val="accent1"/>
+          </a:lnRef>
+          <a:fillRef idx="0">
+            <a:schemeClr val="accent1"/>
+          </a:fillRef>
+          <a:effectRef idx="0">
+            <a:schemeClr val="accent1"/>
+          </a:effectRef>
+          <a:fontRef idx="minor">
+            <a:schemeClr val="tx1"/>
+          </a:fontRef>
+        </p:style>
+      </p:cxnSp>
+      <p:sp>
+        <p:nvSpPr>
+          <p:cNvPr id="37" name="TextBox 36">
+            <a:extLst>
+              <a:ext uri="{FF2B5EF4-FFF2-40B4-BE49-F238E27FC236}">
+                <a16:creationId xmlns:a16="http://schemas.microsoft.com/office/drawing/2014/main" id="{B1795668-7DAA-44EE-8B57-1A19E7DC6E36}"/>
+              </a:ext>
+            </a:extLst>
+          </p:cNvPr>
+          <p:cNvSpPr txBox="1"/>
+          <p:nvPr/>
+        </p:nvSpPr>
+        <p:spPr>
+          <a:xfrm>
+            <a:off x="5377119" y="3127515"/>
+            <a:ext cx="931402" cy="307777"/>
+          </a:xfrm>
+          <a:prstGeom prst="rect">
+            <a:avLst/>
+          </a:prstGeom>
+          <a:noFill/>
+        </p:spPr>
+        <p:txBody>
+          <a:bodyPr wrap="square" rtlCol="0">
+            <a:spAutoFit/>
+          </a:bodyPr>
+          <a:lstStyle/>
+          <a:p>
+            <a:r>
+              <a:rPr lang="en-US" altLang="ko-KR" sz="1400" dirty="0">
+                <a:solidFill>
+                  <a:srgbClr val="FF0000"/>
+                </a:solidFill>
+              </a:rPr>
+              <a:t>5</a:t>
+            </a:r>
+            <a:r>
+              <a:rPr lang="ko-KR" altLang="en-US" sz="1400" dirty="0">
+                <a:solidFill>
+                  <a:srgbClr val="FF0000"/>
+                </a:solidFill>
+              </a:rPr>
+              <a:t>번 반복</a:t>
+            </a:r>
+          </a:p>
+        </p:txBody>
+      </p:sp>
+    </p:spTree>
+    <p:extLst>
+      <p:ext uri="{BB962C8B-B14F-4D97-AF65-F5344CB8AC3E}">
+        <p14:creationId xmlns:p14="http://schemas.microsoft.com/office/powerpoint/2010/main" val="525641352"/>
+      </p:ext>
+    </p:extLst>
+  </p:cSld>
+  <p:clrMapOvr>
+    <a:masterClrMapping/>
+  </p:clrMapOvr>
+</p:sld>
+</file>
+
 <file path=ppt/theme/theme1.xml><?xml version="1.0" encoding="utf-8"?>
 <a:theme xmlns:a="http://schemas.openxmlformats.org/drawingml/2006/main" name="Office 테마">
   <a:themeElements>

--- a/2022년-1학기/2022년-1C(PBL)자료/프로젝트_숫자야구게임SW/숫자야구_상세개발사항.pptx
+++ b/2022년-1학기/2022년-1C(PBL)자료/프로젝트_숫자야구게임SW/숫자야구_상세개발사항.pptx
@@ -265,7 +265,7 @@
           <a:p>
             <a:fld id="{B11D50E4-86AD-48B2-AB0A-7085F6A7D411}" type="datetimeFigureOut">
               <a:rPr lang="ko-KR" altLang="en-US" smtClean="0"/>
-              <a:t>2022-04-27</a:t>
+              <a:t>2022-05-02</a:t>
             </a:fld>
             <a:endParaRPr lang="ko-KR" altLang="en-US"/>
           </a:p>
@@ -463,7 +463,7 @@
           <a:p>
             <a:fld id="{B11D50E4-86AD-48B2-AB0A-7085F6A7D411}" type="datetimeFigureOut">
               <a:rPr lang="ko-KR" altLang="en-US" smtClean="0"/>
-              <a:t>2022-04-27</a:t>
+              <a:t>2022-05-02</a:t>
             </a:fld>
             <a:endParaRPr lang="ko-KR" altLang="en-US"/>
           </a:p>
@@ -671,7 +671,7 @@
           <a:p>
             <a:fld id="{B11D50E4-86AD-48B2-AB0A-7085F6A7D411}" type="datetimeFigureOut">
               <a:rPr lang="ko-KR" altLang="en-US" smtClean="0"/>
-              <a:t>2022-04-27</a:t>
+              <a:t>2022-05-02</a:t>
             </a:fld>
             <a:endParaRPr lang="ko-KR" altLang="en-US"/>
           </a:p>
@@ -869,7 +869,7 @@
           <a:p>
             <a:fld id="{B11D50E4-86AD-48B2-AB0A-7085F6A7D411}" type="datetimeFigureOut">
               <a:rPr lang="ko-KR" altLang="en-US" smtClean="0"/>
-              <a:t>2022-04-27</a:t>
+              <a:t>2022-05-02</a:t>
             </a:fld>
             <a:endParaRPr lang="ko-KR" altLang="en-US"/>
           </a:p>
@@ -1144,7 +1144,7 @@
           <a:p>
             <a:fld id="{B11D50E4-86AD-48B2-AB0A-7085F6A7D411}" type="datetimeFigureOut">
               <a:rPr lang="ko-KR" altLang="en-US" smtClean="0"/>
-              <a:t>2022-04-27</a:t>
+              <a:t>2022-05-02</a:t>
             </a:fld>
             <a:endParaRPr lang="ko-KR" altLang="en-US"/>
           </a:p>
@@ -1409,7 +1409,7 @@
           <a:p>
             <a:fld id="{B11D50E4-86AD-48B2-AB0A-7085F6A7D411}" type="datetimeFigureOut">
               <a:rPr lang="ko-KR" altLang="en-US" smtClean="0"/>
-              <a:t>2022-04-27</a:t>
+              <a:t>2022-05-02</a:t>
             </a:fld>
             <a:endParaRPr lang="ko-KR" altLang="en-US"/>
           </a:p>
@@ -1821,7 +1821,7 @@
           <a:p>
             <a:fld id="{B11D50E4-86AD-48B2-AB0A-7085F6A7D411}" type="datetimeFigureOut">
               <a:rPr lang="ko-KR" altLang="en-US" smtClean="0"/>
-              <a:t>2022-04-27</a:t>
+              <a:t>2022-05-02</a:t>
             </a:fld>
             <a:endParaRPr lang="ko-KR" altLang="en-US"/>
           </a:p>
@@ -1962,7 +1962,7 @@
           <a:p>
             <a:fld id="{B11D50E4-86AD-48B2-AB0A-7085F6A7D411}" type="datetimeFigureOut">
               <a:rPr lang="ko-KR" altLang="en-US" smtClean="0"/>
-              <a:t>2022-04-27</a:t>
+              <a:t>2022-05-02</a:t>
             </a:fld>
             <a:endParaRPr lang="ko-KR" altLang="en-US"/>
           </a:p>
@@ -2075,7 +2075,7 @@
           <a:p>
             <a:fld id="{B11D50E4-86AD-48B2-AB0A-7085F6A7D411}" type="datetimeFigureOut">
               <a:rPr lang="ko-KR" altLang="en-US" smtClean="0"/>
-              <a:t>2022-04-27</a:t>
+              <a:t>2022-05-02</a:t>
             </a:fld>
             <a:endParaRPr lang="ko-KR" altLang="en-US"/>
           </a:p>
@@ -2386,7 +2386,7 @@
           <a:p>
             <a:fld id="{B11D50E4-86AD-48B2-AB0A-7085F6A7D411}" type="datetimeFigureOut">
               <a:rPr lang="ko-KR" altLang="en-US" smtClean="0"/>
-              <a:t>2022-04-27</a:t>
+              <a:t>2022-05-02</a:t>
             </a:fld>
             <a:endParaRPr lang="ko-KR" altLang="en-US"/>
           </a:p>
@@ -2674,7 +2674,7 @@
           <a:p>
             <a:fld id="{B11D50E4-86AD-48B2-AB0A-7085F6A7D411}" type="datetimeFigureOut">
               <a:rPr lang="ko-KR" altLang="en-US" smtClean="0"/>
-              <a:t>2022-04-27</a:t>
+              <a:t>2022-05-02</a:t>
             </a:fld>
             <a:endParaRPr lang="ko-KR" altLang="en-US"/>
           </a:p>
@@ -2915,7 +2915,7 @@
           <a:p>
             <a:fld id="{B11D50E4-86AD-48B2-AB0A-7085F6A7D411}" type="datetimeFigureOut">
               <a:rPr lang="ko-KR" altLang="en-US" smtClean="0"/>
-              <a:t>2022-04-27</a:t>
+              <a:t>2022-05-02</a:t>
             </a:fld>
             <a:endParaRPr lang="ko-KR" altLang="en-US"/>
           </a:p>
